--- a/4-Python-for-Data-Visualization/0-Exploratory Data Analysis/0-EDA.pptx
+++ b/4-Python-for-Data-Visualization/0-Exploratory Data Analysis/0-EDA.pptx
@@ -20000,7 +20000,7 @@
             <a:pPr lvl="1"/>
             <a:r>
               <a:rPr lang="en-US" dirty="0"/>
-              <a:t>Median absolute deviation: s a robust measure of the variability of a univariate sample of quantitative data. D defined as the median of the absolute deviations from the data's median. </a:t>
+              <a:t>Median absolute deviation: a robust measure of the variability of a univariate sample of quantitative data. D defined as the median of the absolute deviations from the data's median. </a:t>
             </a:r>
             <a:endParaRPr lang="fr-FR" b="1" dirty="0"/>
           </a:p>
